--- a/Presentation.pptx
+++ b/Presentation.pptx
@@ -6,8 +6,9 @@
   </p:sldMasterIdLst>
   <p:sldIdLst>
     <p:sldId id="256" r:id="rId2"/>
-    <p:sldId id="257" r:id="rId3"/>
-    <p:sldId id="258" r:id="rId4"/>
+    <p:sldId id="259" r:id="rId3"/>
+    <p:sldId id="257" r:id="rId4"/>
+    <p:sldId id="258" r:id="rId5"/>
   </p:sldIdLst>
   <p:sldSz cx="12192000" cy="6858000"/>
   <p:notesSz cx="6858000" cy="9144000"/>
@@ -106,6 +107,11 @@
       </a:defRPr>
     </a:lvl9pPr>
   </p:defaultTextStyle>
+  <p:extLst>
+    <p:ext uri="{EFAFB233-063F-42B5-8137-9DF3F51BA10A}">
+      <p15:sldGuideLst xmlns:p15="http://schemas.microsoft.com/office/powerpoint/2012/main"/>
+    </p:ext>
+  </p:extLst>
 </p:presentation>
 </file>
 
@@ -113,8 +119,8 @@
 <pc:chgInfo xmlns:a="http://schemas.openxmlformats.org/drawingml/2006/main" xmlns:r="http://schemas.openxmlformats.org/officeDocument/2006/relationships" xmlns:ac="http://schemas.microsoft.com/office/drawing/2013/main/command" xmlns:pc="http://schemas.microsoft.com/office/powerpoint/2013/main/command">
   <pc:docChgLst>
     <pc:chgData name="ARMAN KHAN DE FREITAS" userId="7a53acc3-6f83-4892-b740-f9a219e3f997" providerId="ADAL" clId="{49C34011-1FE3-4741-9D29-FABB4ED4CE41}"/>
-    <pc:docChg chg="custSel addSld modSld">
-      <pc:chgData name="ARMAN KHAN DE FREITAS" userId="7a53acc3-6f83-4892-b740-f9a219e3f997" providerId="ADAL" clId="{49C34011-1FE3-4741-9D29-FABB4ED4CE41}" dt="2021-11-12T14:55:15.573" v="107" actId="478"/>
+    <pc:docChg chg="undo custSel addSld modSld">
+      <pc:chgData name="ARMAN KHAN DE FREITAS" userId="7a53acc3-6f83-4892-b740-f9a219e3f997" providerId="ADAL" clId="{49C34011-1FE3-4741-9D29-FABB4ED4CE41}" dt="2021-11-12T15:45:32.965" v="152" actId="20577"/>
       <pc:docMkLst>
         <pc:docMk/>
       </pc:docMkLst>
@@ -210,6 +216,29 @@
             <ac:picMk id="7" creationId="{A0DBAD2A-B27A-4ACD-8282-8F7DFA406D02}"/>
           </ac:picMkLst>
         </pc:picChg>
+      </pc:sldChg>
+      <pc:sldChg chg="modSp new mod">
+        <pc:chgData name="ARMAN KHAN DE FREITAS" userId="7a53acc3-6f83-4892-b740-f9a219e3f997" providerId="ADAL" clId="{49C34011-1FE3-4741-9D29-FABB4ED4CE41}" dt="2021-11-12T15:45:32.965" v="152" actId="20577"/>
+        <pc:sldMkLst>
+          <pc:docMk/>
+          <pc:sldMk cId="3246953430" sldId="259"/>
+        </pc:sldMkLst>
+        <pc:spChg chg="mod">
+          <ac:chgData name="ARMAN KHAN DE FREITAS" userId="7a53acc3-6f83-4892-b740-f9a219e3f997" providerId="ADAL" clId="{49C34011-1FE3-4741-9D29-FABB4ED4CE41}" dt="2021-11-12T15:45:32.965" v="152" actId="20577"/>
+          <ac:spMkLst>
+            <pc:docMk/>
+            <pc:sldMk cId="3246953430" sldId="259"/>
+            <ac:spMk id="2" creationId="{7040D6A6-3E17-4F54-A06E-C645415C54E7}"/>
+          </ac:spMkLst>
+        </pc:spChg>
+        <pc:spChg chg="mod">
+          <ac:chgData name="ARMAN KHAN DE FREITAS" userId="7a53acc3-6f83-4892-b740-f9a219e3f997" providerId="ADAL" clId="{49C34011-1FE3-4741-9D29-FABB4ED4CE41}" dt="2021-11-12T15:45:00.470" v="124" actId="114"/>
+          <ac:spMkLst>
+            <pc:docMk/>
+            <pc:sldMk cId="3246953430" sldId="259"/>
+            <ac:spMk id="3" creationId="{2DD24CB3-DF39-4C4B-965B-F19EA9188BE7}"/>
+          </ac:spMkLst>
+        </pc:spChg>
       </pc:sldChg>
       <pc:sldMasterChg chg="addSldLayout">
         <pc:chgData name="ARMAN KHAN DE FREITAS" userId="7a53acc3-6f83-4892-b740-f9a219e3f997" providerId="ADAL" clId="{49C34011-1FE3-4741-9D29-FABB4ED4CE41}" dt="2021-11-12T14:48:26.362" v="0" actId="680"/>
@@ -4027,6 +4056,221 @@
           <p:cNvPr id="2" name="Título 1">
             <a:extLst>
               <a:ext uri="{FF2B5EF4-FFF2-40B4-BE49-F238E27FC236}">
+                <a16:creationId xmlns:a16="http://schemas.microsoft.com/office/drawing/2014/main" id="{7040D6A6-3E17-4F54-A06E-C645415C54E7}"/>
+              </a:ext>
+            </a:extLst>
+          </p:cNvPr>
+          <p:cNvSpPr>
+            <a:spLocks noGrp="1"/>
+          </p:cNvSpPr>
+          <p:nvPr>
+            <p:ph type="title"/>
+          </p:nvPr>
+        </p:nvSpPr>
+        <p:spPr/>
+        <p:txBody>
+          <a:bodyPr/>
+          <a:lstStyle/>
+          <a:p>
+            <a:r>
+              <a:rPr lang="pt-PT" dirty="0"/>
+              <a:t>Introdução</a:t>
+            </a:r>
+          </a:p>
+        </p:txBody>
+      </p:sp>
+      <p:sp>
+        <p:nvSpPr>
+          <p:cNvPr id="3" name="Marcador de Posição de Conteúdo 2">
+            <a:extLst>
+              <a:ext uri="{FF2B5EF4-FFF2-40B4-BE49-F238E27FC236}">
+                <a16:creationId xmlns:a16="http://schemas.microsoft.com/office/drawing/2014/main" id="{2DD24CB3-DF39-4C4B-965B-F19EA9188BE7}"/>
+              </a:ext>
+            </a:extLst>
+          </p:cNvPr>
+          <p:cNvSpPr>
+            <a:spLocks noGrp="1"/>
+          </p:cNvSpPr>
+          <p:nvPr>
+            <p:ph idx="1"/>
+          </p:nvPr>
+        </p:nvSpPr>
+        <p:spPr/>
+        <p:txBody>
+          <a:bodyPr>
+            <a:normAutofit fontScale="85000" lnSpcReduction="10000"/>
+          </a:bodyPr>
+          <a:lstStyle/>
+          <a:p>
+            <a:pPr>
+              <a:lnSpc>
+                <a:spcPct val="170000"/>
+              </a:lnSpc>
+            </a:pPr>
+            <a:r>
+              <a:rPr lang="pt-PT" sz="1800" b="0" i="0" u="none" strike="noStrike" baseline="0" dirty="0">
+                <a:solidFill>
+                  <a:srgbClr val="000000"/>
+                </a:solidFill>
+                <a:latin typeface="Calibri" panose="020F0502020204030204" pitchFamily="34" charset="0"/>
+              </a:rPr>
+              <a:t>A empresa medica </a:t>
+            </a:r>
+            <a:r>
+              <a:rPr lang="pt-PT" sz="1800" b="0" i="1" u="none" strike="noStrike" baseline="0" dirty="0">
+                <a:solidFill>
+                  <a:srgbClr val="000000"/>
+                </a:solidFill>
+                <a:latin typeface="Calibri" panose="020F0502020204030204" pitchFamily="34" charset="0"/>
+              </a:rPr>
+              <a:t>“</a:t>
+            </a:r>
+            <a:r>
+              <a:rPr lang="pt-PT" sz="1800" b="0" i="1" u="none" strike="noStrike" baseline="0" dirty="0" err="1">
+                <a:solidFill>
+                  <a:srgbClr val="000000"/>
+                </a:solidFill>
+                <a:latin typeface="Calibri" panose="020F0502020204030204" pitchFamily="34" charset="0"/>
+              </a:rPr>
+              <a:t>MedKnow</a:t>
+            </a:r>
+            <a:r>
+              <a:rPr lang="pt-PT" sz="1800" b="0" i="1" u="none" strike="noStrike" baseline="0" dirty="0">
+                <a:solidFill>
+                  <a:srgbClr val="000000"/>
+                </a:solidFill>
+                <a:latin typeface="Calibri" panose="020F0502020204030204" pitchFamily="34" charset="0"/>
+              </a:rPr>
+              <a:t>”</a:t>
+            </a:r>
+            <a:r>
+              <a:rPr lang="pt-PT" sz="1800" b="0" i="0" u="none" strike="noStrike" baseline="0" dirty="0">
+                <a:solidFill>
+                  <a:srgbClr val="000000"/>
+                </a:solidFill>
+                <a:latin typeface="Calibri" panose="020F0502020204030204" pitchFamily="34" charset="0"/>
+              </a:rPr>
+              <a:t> utiliza dados dos pacientes para os classificar em 3 categorias: </a:t>
+            </a:r>
+          </a:p>
+          <a:p>
+            <a:pPr>
+              <a:lnSpc>
+                <a:spcPct val="170000"/>
+              </a:lnSpc>
+            </a:pPr>
+            <a:r>
+              <a:rPr lang="pt-PT" sz="1800" b="0" i="0" u="none" strike="noStrike" baseline="0" dirty="0">
+                <a:solidFill>
+                  <a:srgbClr val="000000"/>
+                </a:solidFill>
+                <a:latin typeface="Calibri" panose="020F0502020204030204" pitchFamily="34" charset="0"/>
+              </a:rPr>
+              <a:t>• Não precisa de lentes </a:t>
+            </a:r>
+          </a:p>
+          <a:p>
+            <a:pPr>
+              <a:lnSpc>
+                <a:spcPct val="170000"/>
+              </a:lnSpc>
+            </a:pPr>
+            <a:r>
+              <a:rPr lang="pt-PT" sz="1800" b="0" i="0" u="none" strike="noStrike" baseline="0" dirty="0">
+                <a:solidFill>
+                  <a:srgbClr val="000000"/>
+                </a:solidFill>
+                <a:latin typeface="Calibri" panose="020F0502020204030204" pitchFamily="34" charset="0"/>
+              </a:rPr>
+              <a:t>• Precisa de lentes moles </a:t>
+            </a:r>
+          </a:p>
+          <a:p>
+            <a:pPr>
+              <a:lnSpc>
+                <a:spcPct val="170000"/>
+              </a:lnSpc>
+            </a:pPr>
+            <a:r>
+              <a:rPr lang="pt-PT" sz="1800" b="0" i="0" u="none" strike="noStrike" baseline="0" dirty="0">
+                <a:solidFill>
+                  <a:srgbClr val="000000"/>
+                </a:solidFill>
+                <a:latin typeface="Calibri" panose="020F0502020204030204" pitchFamily="34" charset="0"/>
+              </a:rPr>
+              <a:t>• Precisa de lentes duras </a:t>
+            </a:r>
+          </a:p>
+          <a:p>
+            <a:pPr>
+              <a:lnSpc>
+                <a:spcPct val="170000"/>
+              </a:lnSpc>
+            </a:pPr>
+            <a:r>
+              <a:rPr lang="pt-PT" sz="1800" b="0" i="0" u="none" strike="noStrike" baseline="0" dirty="0">
+                <a:solidFill>
+                  <a:srgbClr val="000000"/>
+                </a:solidFill>
+                <a:latin typeface="Calibri" panose="020F0502020204030204" pitchFamily="34" charset="0"/>
+              </a:rPr>
+              <a:t>Para tal, utiliza como “input” as informações de idade (jovem, presbiópico, pré-presbiópico), o registo medico (míope, hipermetrope) e se o paciente tem estigmatismo. </a:t>
+            </a:r>
+          </a:p>
+          <a:p>
+            <a:pPr>
+              <a:lnSpc>
+                <a:spcPct val="170000"/>
+              </a:lnSpc>
+            </a:pPr>
+            <a:r>
+              <a:rPr lang="pt-PT" sz="1800" b="0" i="0" u="none" strike="noStrike" baseline="0" dirty="0">
+                <a:solidFill>
+                  <a:srgbClr val="000000"/>
+                </a:solidFill>
+                <a:latin typeface="Calibri" panose="020F0502020204030204" pitchFamily="34" charset="0"/>
+              </a:rPr>
+              <a:t>Com o objetivo de analisar a informação, é preciso encontrar semelhanças nas classificações dos dados e para tal, a ajuda de inteligência artificial com mecanismos lógicos é muito importante, permitindo uma rápida classificação e precisa. </a:t>
+            </a:r>
+            <a:endParaRPr lang="pt-PT" dirty="0"/>
+          </a:p>
+        </p:txBody>
+      </p:sp>
+    </p:spTree>
+    <p:extLst>
+      <p:ext uri="{BB962C8B-B14F-4D97-AF65-F5344CB8AC3E}">
+        <p14:creationId xmlns:p14="http://schemas.microsoft.com/office/powerpoint/2010/main" val="3246953430"/>
+      </p:ext>
+    </p:extLst>
+  </p:cSld>
+  <p:clrMapOvr>
+    <a:masterClrMapping/>
+  </p:clrMapOvr>
+</p:sld>
+</file>
+
+<file path=ppt/slides/slide3.xml><?xml version="1.0" encoding="utf-8"?>
+<p:sld xmlns:a="http://schemas.openxmlformats.org/drawingml/2006/main" xmlns:r="http://schemas.openxmlformats.org/officeDocument/2006/relationships" xmlns:p="http://schemas.openxmlformats.org/presentationml/2006/main">
+  <p:cSld>
+    <p:spTree>
+      <p:nvGrpSpPr>
+        <p:cNvPr id="1" name=""/>
+        <p:cNvGrpSpPr/>
+        <p:nvPr/>
+      </p:nvGrpSpPr>
+      <p:grpSpPr>
+        <a:xfrm>
+          <a:off x="0" y="0"/>
+          <a:ext cx="0" cy="0"/>
+          <a:chOff x="0" y="0"/>
+          <a:chExt cx="0" cy="0"/>
+        </a:xfrm>
+      </p:grpSpPr>
+      <p:sp>
+        <p:nvSpPr>
+          <p:cNvPr id="2" name="Título 1">
+            <a:extLst>
+              <a:ext uri="{FF2B5EF4-FFF2-40B4-BE49-F238E27FC236}">
                 <a16:creationId xmlns:a16="http://schemas.microsoft.com/office/drawing/2014/main" id="{5D0244E3-A40B-4149-9EA2-7160549A5E75}"/>
               </a:ext>
             </a:extLst>
@@ -4107,7 +4351,7 @@
 </p:sld>
 </file>
 
-<file path=ppt/slides/slide3.xml><?xml version="1.0" encoding="utf-8"?>
+<file path=ppt/slides/slide4.xml><?xml version="1.0" encoding="utf-8"?>
 <p:sld xmlns:a="http://schemas.openxmlformats.org/drawingml/2006/main" xmlns:r="http://schemas.openxmlformats.org/officeDocument/2006/relationships" xmlns:p="http://schemas.openxmlformats.org/presentationml/2006/main">
   <p:cSld>
     <p:spTree>

--- a/Presentation.pptx
+++ b/Presentation.pptx
@@ -120,7 +120,7 @@
   <pc:docChgLst>
     <pc:chgData name="ARMAN KHAN DE FREITAS" userId="7a53acc3-6f83-4892-b740-f9a219e3f997" providerId="ADAL" clId="{49C34011-1FE3-4741-9D29-FABB4ED4CE41}"/>
     <pc:docChg chg="undo custSel addSld modSld">
-      <pc:chgData name="ARMAN KHAN DE FREITAS" userId="7a53acc3-6f83-4892-b740-f9a219e3f997" providerId="ADAL" clId="{49C34011-1FE3-4741-9D29-FABB4ED4CE41}" dt="2021-11-12T15:45:32.965" v="152" actId="20577"/>
+      <pc:chgData name="ARMAN KHAN DE FREITAS" userId="7a53acc3-6f83-4892-b740-f9a219e3f997" providerId="ADAL" clId="{49C34011-1FE3-4741-9D29-FABB4ED4CE41}" dt="2021-11-13T00:52:01.871" v="175" actId="1076"/>
       <pc:docMkLst>
         <pc:docMk/>
       </pc:docMkLst>
@@ -148,7 +148,7 @@
         </pc:spChg>
       </pc:sldChg>
       <pc:sldChg chg="addSp delSp modSp new mod">
-        <pc:chgData name="ARMAN KHAN DE FREITAS" userId="7a53acc3-6f83-4892-b740-f9a219e3f997" providerId="ADAL" clId="{49C34011-1FE3-4741-9D29-FABB4ED4CE41}" dt="2021-11-12T14:50:18.659" v="78" actId="20577"/>
+        <pc:chgData name="ARMAN KHAN DE FREITAS" userId="7a53acc3-6f83-4892-b740-f9a219e3f997" providerId="ADAL" clId="{49C34011-1FE3-4741-9D29-FABB4ED4CE41}" dt="2021-11-13T00:52:01.871" v="175" actId="1076"/>
         <pc:sldMkLst>
           <pc:docMk/>
           <pc:sldMk cId="2982234069" sldId="257"/>
@@ -169,17 +169,33 @@
             <ac:spMk id="3" creationId="{F92DBE6E-6CD7-4C50-AA54-826CE99000AD}"/>
           </ac:spMkLst>
         </pc:spChg>
-        <pc:picChg chg="add mod">
-          <ac:chgData name="ARMAN KHAN DE FREITAS" userId="7a53acc3-6f83-4892-b740-f9a219e3f997" providerId="ADAL" clId="{49C34011-1FE3-4741-9D29-FABB4ED4CE41}" dt="2021-11-12T14:50:06.385" v="43"/>
+        <pc:spChg chg="add del mod">
+          <ac:chgData name="ARMAN KHAN DE FREITAS" userId="7a53acc3-6f83-4892-b740-f9a219e3f997" providerId="ADAL" clId="{49C34011-1FE3-4741-9D29-FABB4ED4CE41}" dt="2021-11-13T00:51:58.236" v="173"/>
+          <ac:spMkLst>
+            <pc:docMk/>
+            <pc:sldMk cId="2982234069" sldId="257"/>
+            <ac:spMk id="4" creationId="{BF3C074E-CD44-4E58-9291-A000B2F50042}"/>
+          </ac:spMkLst>
+        </pc:spChg>
+        <pc:picChg chg="add del mod">
+          <ac:chgData name="ARMAN KHAN DE FREITAS" userId="7a53acc3-6f83-4892-b740-f9a219e3f997" providerId="ADAL" clId="{49C34011-1FE3-4741-9D29-FABB4ED4CE41}" dt="2021-11-13T00:50:34.853" v="172" actId="478"/>
           <ac:picMkLst>
             <pc:docMk/>
             <pc:sldMk cId="2982234069" sldId="257"/>
             <ac:picMk id="5" creationId="{0341D18D-591A-440C-8096-C4B74D4F4CAE}"/>
           </ac:picMkLst>
         </pc:picChg>
+        <pc:picChg chg="add mod">
+          <ac:chgData name="ARMAN KHAN DE FREITAS" userId="7a53acc3-6f83-4892-b740-f9a219e3f997" providerId="ADAL" clId="{49C34011-1FE3-4741-9D29-FABB4ED4CE41}" dt="2021-11-13T00:52:01.871" v="175" actId="1076"/>
+          <ac:picMkLst>
+            <pc:docMk/>
+            <pc:sldMk cId="2982234069" sldId="257"/>
+            <ac:picMk id="7" creationId="{F0A6D3F0-0CC9-4BF9-AF3F-3BF84B6D6AD0}"/>
+          </ac:picMkLst>
+        </pc:picChg>
       </pc:sldChg>
       <pc:sldChg chg="addSp delSp modSp new mod">
-        <pc:chgData name="ARMAN KHAN DE FREITAS" userId="7a53acc3-6f83-4892-b740-f9a219e3f997" providerId="ADAL" clId="{49C34011-1FE3-4741-9D29-FABB4ED4CE41}" dt="2021-11-12T14:55:15.573" v="107" actId="478"/>
+        <pc:chgData name="ARMAN KHAN DE FREITAS" userId="7a53acc3-6f83-4892-b740-f9a219e3f997" providerId="ADAL" clId="{49C34011-1FE3-4741-9D29-FABB4ED4CE41}" dt="2021-11-13T00:50:25.521" v="171" actId="1076"/>
         <pc:sldMkLst>
           <pc:docMk/>
           <pc:sldMk cId="1151710235" sldId="258"/>
@@ -201,19 +217,35 @@
           </ac:spMkLst>
         </pc:spChg>
         <pc:picChg chg="add mod">
-          <ac:chgData name="ARMAN KHAN DE FREITAS" userId="7a53acc3-6f83-4892-b740-f9a219e3f997" providerId="ADAL" clId="{49C34011-1FE3-4741-9D29-FABB4ED4CE41}" dt="2021-11-12T14:55:11.732" v="106" actId="1076"/>
+          <ac:chgData name="ARMAN KHAN DE FREITAS" userId="7a53acc3-6f83-4892-b740-f9a219e3f997" providerId="ADAL" clId="{49C34011-1FE3-4741-9D29-FABB4ED4CE41}" dt="2021-11-13T00:50:18.262" v="170" actId="1035"/>
+          <ac:picMkLst>
+            <pc:docMk/>
+            <pc:sldMk cId="1151710235" sldId="258"/>
+            <ac:picMk id="4" creationId="{FA9CF239-58A9-4B18-839B-930817F429CE}"/>
+          </ac:picMkLst>
+        </pc:picChg>
+        <pc:picChg chg="add del mod">
+          <ac:chgData name="ARMAN KHAN DE FREITAS" userId="7a53acc3-6f83-4892-b740-f9a219e3f997" providerId="ADAL" clId="{49C34011-1FE3-4741-9D29-FABB4ED4CE41}" dt="2021-11-13T00:49:21.622" v="158" actId="478"/>
           <ac:picMkLst>
             <pc:docMk/>
             <pc:sldMk cId="1151710235" sldId="258"/>
             <ac:picMk id="5" creationId="{9B6C3E7F-2EF0-4DA7-AA65-0FA76583C46A}"/>
           </ac:picMkLst>
         </pc:picChg>
-        <pc:picChg chg="add mod">
-          <ac:chgData name="ARMAN KHAN DE FREITAS" userId="7a53acc3-6f83-4892-b740-f9a219e3f997" providerId="ADAL" clId="{49C34011-1FE3-4741-9D29-FABB4ED4CE41}" dt="2021-11-12T14:55:08.377" v="105" actId="14100"/>
+        <pc:picChg chg="add del mod">
+          <ac:chgData name="ARMAN KHAN DE FREITAS" userId="7a53acc3-6f83-4892-b740-f9a219e3f997" providerId="ADAL" clId="{49C34011-1FE3-4741-9D29-FABB4ED4CE41}" dt="2021-11-13T00:49:06.588" v="153" actId="478"/>
           <ac:picMkLst>
             <pc:docMk/>
             <pc:sldMk cId="1151710235" sldId="258"/>
             <ac:picMk id="7" creationId="{A0DBAD2A-B27A-4ACD-8282-8F7DFA406D02}"/>
+          </ac:picMkLst>
+        </pc:picChg>
+        <pc:picChg chg="add mod">
+          <ac:chgData name="ARMAN KHAN DE FREITAS" userId="7a53acc3-6f83-4892-b740-f9a219e3f997" providerId="ADAL" clId="{49C34011-1FE3-4741-9D29-FABB4ED4CE41}" dt="2021-11-13T00:50:25.521" v="171" actId="1076"/>
+          <ac:picMkLst>
+            <pc:docMk/>
+            <pc:sldMk cId="1151710235" sldId="258"/>
+            <ac:picMk id="8" creationId="{50A66BB8-1001-4A11-9BCB-7444367162F9}"/>
           </ac:picMkLst>
         </pc:picChg>
       </pc:sldChg>
@@ -4305,10 +4337,10 @@
       </p:sp>
       <p:pic>
         <p:nvPicPr>
-          <p:cNvPr id="5" name="Marcador de Posição de Conteúdo 4">
+          <p:cNvPr id="7" name="Marcador de Posição de Conteúdo 6">
             <a:extLst>
               <a:ext uri="{FF2B5EF4-FFF2-40B4-BE49-F238E27FC236}">
-                <a16:creationId xmlns:a16="http://schemas.microsoft.com/office/drawing/2014/main" id="{0341D18D-591A-440C-8096-C4B74D4F4CAE}"/>
+                <a16:creationId xmlns:a16="http://schemas.microsoft.com/office/drawing/2014/main" id="{F0A6D3F0-0CC9-4BF9-AF3F-3BF84B6D6AD0}"/>
               </a:ext>
             </a:extLst>
           </p:cNvPr>
@@ -4333,8 +4365,8 @@
         </p:blipFill>
         <p:spPr>
           <a:xfrm>
-            <a:off x="3168650" y="2043113"/>
-            <a:ext cx="5915025" cy="3629025"/>
+            <a:off x="3430020" y="1737360"/>
+            <a:ext cx="5331959" cy="4306888"/>
           </a:xfrm>
         </p:spPr>
       </p:pic>
@@ -4407,10 +4439,10 @@
       </p:sp>
       <p:pic>
         <p:nvPicPr>
-          <p:cNvPr id="5" name="Imagem 4">
+          <p:cNvPr id="4" name="Imagem 3">
             <a:extLst>
               <a:ext uri="{FF2B5EF4-FFF2-40B4-BE49-F238E27FC236}">
-                <a16:creationId xmlns:a16="http://schemas.microsoft.com/office/drawing/2014/main" id="{9B6C3E7F-2EF0-4DA7-AA65-0FA76583C46A}"/>
+                <a16:creationId xmlns:a16="http://schemas.microsoft.com/office/drawing/2014/main" id="{FA9CF239-58A9-4B18-839B-930817F429CE}"/>
               </a:ext>
             </a:extLst>
           </p:cNvPr>
@@ -4427,8 +4459,8 @@
         </p:blipFill>
         <p:spPr>
           <a:xfrm>
-            <a:off x="1645922" y="1738600"/>
-            <a:ext cx="8310112" cy="2892655"/>
+            <a:off x="969630" y="4876800"/>
+            <a:ext cx="10252739" cy="1450757"/>
           </a:xfrm>
           <a:prstGeom prst="rect">
             <a:avLst/>
@@ -4437,10 +4469,10 @@
       </p:pic>
       <p:pic>
         <p:nvPicPr>
-          <p:cNvPr id="7" name="Imagem 6">
+          <p:cNvPr id="8" name="Imagem 7">
             <a:extLst>
               <a:ext uri="{FF2B5EF4-FFF2-40B4-BE49-F238E27FC236}">
-                <a16:creationId xmlns:a16="http://schemas.microsoft.com/office/drawing/2014/main" id="{A0DBAD2A-B27A-4ACD-8282-8F7DFA406D02}"/>
+                <a16:creationId xmlns:a16="http://schemas.microsoft.com/office/drawing/2014/main" id="{50A66BB8-1001-4A11-9BCB-7444367162F9}"/>
               </a:ext>
             </a:extLst>
           </p:cNvPr>
@@ -4457,8 +4489,8 @@
         </p:blipFill>
         <p:spPr>
           <a:xfrm>
-            <a:off x="836702" y="4842933"/>
-            <a:ext cx="10318978" cy="1237839"/>
+            <a:off x="7540635" y="591053"/>
+            <a:ext cx="3615045" cy="4145980"/>
           </a:xfrm>
           <a:prstGeom prst="rect">
             <a:avLst/>

--- a/Presentation.pptx
+++ b/Presentation.pptx
@@ -117,6 +117,70 @@
 
 <file path=ppt/changesInfos/changesInfo1.xml><?xml version="1.0" encoding="utf-8"?>
 <pc:chgInfo xmlns:a="http://schemas.openxmlformats.org/drawingml/2006/main" xmlns:r="http://schemas.openxmlformats.org/officeDocument/2006/relationships" xmlns:ac="http://schemas.microsoft.com/office/drawing/2013/main/command" xmlns:pc="http://schemas.microsoft.com/office/powerpoint/2013/main/command">
+  <pc:docChgLst>
+    <pc:chgData name="ARMAN KHAN DE FREITAS" userId="7a53acc3-6f83-4892-b740-f9a219e3f997" providerId="ADAL" clId="{1803E331-EED8-493C-9591-279CB82FF2D0}"/>
+    <pc:docChg chg="custSel modSld">
+      <pc:chgData name="ARMAN KHAN DE FREITAS" userId="7a53acc3-6f83-4892-b740-f9a219e3f997" providerId="ADAL" clId="{1803E331-EED8-493C-9591-279CB82FF2D0}" dt="2021-12-05T19:11:36.603" v="14" actId="14100"/>
+      <pc:docMkLst>
+        <pc:docMk/>
+      </pc:docMkLst>
+      <pc:sldChg chg="addSp delSp modSp mod">
+        <pc:chgData name="ARMAN KHAN DE FREITAS" userId="7a53acc3-6f83-4892-b740-f9a219e3f997" providerId="ADAL" clId="{1803E331-EED8-493C-9591-279CB82FF2D0}" dt="2021-12-05T19:11:36.603" v="14" actId="14100"/>
+        <pc:sldMkLst>
+          <pc:docMk/>
+          <pc:sldMk cId="1151710235" sldId="258"/>
+        </pc:sldMkLst>
+        <pc:picChg chg="del">
+          <ac:chgData name="ARMAN KHAN DE FREITAS" userId="7a53acc3-6f83-4892-b740-f9a219e3f997" providerId="ADAL" clId="{1803E331-EED8-493C-9591-279CB82FF2D0}" dt="2021-12-05T19:11:30.930" v="12" actId="478"/>
+          <ac:picMkLst>
+            <pc:docMk/>
+            <pc:sldMk cId="1151710235" sldId="258"/>
+            <ac:picMk id="4" creationId="{FA9CF239-58A9-4B18-839B-930817F429CE}"/>
+          </ac:picMkLst>
+        </pc:picChg>
+        <pc:picChg chg="add del mod">
+          <ac:chgData name="ARMAN KHAN DE FREITAS" userId="7a53acc3-6f83-4892-b740-f9a219e3f997" providerId="ADAL" clId="{1803E331-EED8-493C-9591-279CB82FF2D0}" dt="2021-12-05T19:07:21.404" v="2" actId="478"/>
+          <ac:picMkLst>
+            <pc:docMk/>
+            <pc:sldMk cId="1151710235" sldId="258"/>
+            <ac:picMk id="5" creationId="{5AA405A2-75CA-41DA-A7D5-C0FCB5915306}"/>
+          </ac:picMkLst>
+        </pc:picChg>
+        <pc:picChg chg="add mod">
+          <ac:chgData name="ARMAN KHAN DE FREITAS" userId="7a53acc3-6f83-4892-b740-f9a219e3f997" providerId="ADAL" clId="{1803E331-EED8-493C-9591-279CB82FF2D0}" dt="2021-12-05T19:07:57.508" v="6" actId="1076"/>
+          <ac:picMkLst>
+            <pc:docMk/>
+            <pc:sldMk cId="1151710235" sldId="258"/>
+            <ac:picMk id="7" creationId="{9E6C9281-52CA-4278-8B70-82EC8531373F}"/>
+          </ac:picMkLst>
+        </pc:picChg>
+        <pc:picChg chg="del">
+          <ac:chgData name="ARMAN KHAN DE FREITAS" userId="7a53acc3-6f83-4892-b740-f9a219e3f997" providerId="ADAL" clId="{1803E331-EED8-493C-9591-279CB82FF2D0}" dt="2021-12-05T19:07:54.954" v="5" actId="478"/>
+          <ac:picMkLst>
+            <pc:docMk/>
+            <pc:sldMk cId="1151710235" sldId="258"/>
+            <ac:picMk id="8" creationId="{50A66BB8-1001-4A11-9BCB-7444367162F9}"/>
+          </ac:picMkLst>
+        </pc:picChg>
+        <pc:picChg chg="add del mod">
+          <ac:chgData name="ARMAN KHAN DE FREITAS" userId="7a53acc3-6f83-4892-b740-f9a219e3f997" providerId="ADAL" clId="{1803E331-EED8-493C-9591-279CB82FF2D0}" dt="2021-12-05T19:11:19.191" v="9" actId="478"/>
+          <ac:picMkLst>
+            <pc:docMk/>
+            <pc:sldMk cId="1151710235" sldId="258"/>
+            <ac:picMk id="10" creationId="{EEFA508A-079E-48CD-9E67-621702D41D03}"/>
+          </ac:picMkLst>
+        </pc:picChg>
+        <pc:picChg chg="add mod">
+          <ac:chgData name="ARMAN KHAN DE FREITAS" userId="7a53acc3-6f83-4892-b740-f9a219e3f997" providerId="ADAL" clId="{1803E331-EED8-493C-9591-279CB82FF2D0}" dt="2021-12-05T19:11:36.603" v="14" actId="14100"/>
+          <ac:picMkLst>
+            <pc:docMk/>
+            <pc:sldMk cId="1151710235" sldId="258"/>
+            <ac:picMk id="12" creationId="{CE5F9D6B-F386-4147-B5A4-5F5B92B1BFB2}"/>
+          </ac:picMkLst>
+        </pc:picChg>
+      </pc:sldChg>
+    </pc:docChg>
+  </pc:docChgLst>
   <pc:docChgLst>
     <pc:chgData name="ARMAN KHAN DE FREITAS" userId="7a53acc3-6f83-4892-b740-f9a219e3f997" providerId="ADAL" clId="{49C34011-1FE3-4741-9D29-FABB4ED4CE41}"/>
     <pc:docChg chg="undo custSel addSld modSld">
@@ -518,7 +582,7 @@
           <a:p>
             <a:fld id="{4BDF68E2-58F2-4D09-BE8B-E3BD06533059}" type="datetimeFigureOut">
               <a:rPr lang="en-US" dirty="0"/>
-              <a:t>11/12/2021</a:t>
+              <a:t>12/5/2021</a:t>
             </a:fld>
             <a:endParaRPr lang="en-US" dirty="0"/>
           </a:p>
@@ -726,7 +790,7 @@
           <a:p>
             <a:fld id="{2E2D6473-DF6D-4702-B328-E0DD40540A4E}" type="datetimeFigureOut">
               <a:rPr lang="en-US" dirty="0"/>
-              <a:t>11/12/2021</a:t>
+              <a:t>12/5/2021</a:t>
             </a:fld>
             <a:endParaRPr lang="en-US" dirty="0"/>
           </a:p>
@@ -982,7 +1046,7 @@
           <a:p>
             <a:fld id="{E26F7E3A-B166-407D-9866-32884E7D5B37}" type="datetimeFigureOut">
               <a:rPr lang="en-US" dirty="0"/>
-              <a:t>11/12/2021</a:t>
+              <a:t>12/5/2021</a:t>
             </a:fld>
             <a:endParaRPr lang="en-US" dirty="0"/>
           </a:p>
@@ -1156,7 +1220,7 @@
           <a:p>
             <a:fld id="{528FC5F6-F338-4AE4-BB23-26385BCFC423}" type="datetimeFigureOut">
               <a:rPr lang="en-US" dirty="0"/>
-              <a:t>11/12/2021</a:t>
+              <a:t>12/5/2021</a:t>
             </a:fld>
             <a:endParaRPr lang="en-US" dirty="0"/>
           </a:p>
@@ -1499,7 +1563,7 @@
           <a:p>
             <a:fld id="{20EBB0C4-6273-4C6E-B9BD-2EDC30F1CD52}" type="datetimeFigureOut">
               <a:rPr lang="en-US" dirty="0"/>
-              <a:t>11/12/2021</a:t>
+              <a:t>12/5/2021</a:t>
             </a:fld>
             <a:endParaRPr lang="en-US" dirty="0"/>
           </a:p>
@@ -1774,7 +1838,7 @@
           <a:p>
             <a:fld id="{19AB4D41-86C1-4908-B66A-0B50CEB3BF29}" type="datetimeFigureOut">
               <a:rPr lang="en-US" dirty="0"/>
-              <a:t>11/12/2021</a:t>
+              <a:t>12/5/2021</a:t>
             </a:fld>
             <a:endParaRPr lang="en-US" dirty="0"/>
           </a:p>
@@ -2153,7 +2217,7 @@
           <a:p>
             <a:fld id="{E6426E2C-56C1-4E0D-A793-0088A7FDD37E}" type="datetimeFigureOut">
               <a:rPr lang="en-US" dirty="0"/>
-              <a:t>11/12/2021</a:t>
+              <a:t>12/5/2021</a:t>
             </a:fld>
             <a:endParaRPr lang="en-US" dirty="0"/>
           </a:p>
@@ -2271,7 +2335,7 @@
           <a:p>
             <a:fld id="{C8C39B41-D8B5-4052-B551-9B5525EAA8B6}" type="datetimeFigureOut">
               <a:rPr lang="en-US" dirty="0"/>
-              <a:t>11/12/2021</a:t>
+              <a:t>12/5/2021</a:t>
             </a:fld>
             <a:endParaRPr lang="en-US" dirty="0"/>
           </a:p>
@@ -2442,7 +2506,7 @@
           <a:p>
             <a:fld id="{4D94136C-8742-45B2-AF27-D93DF72833A9}" type="datetimeFigureOut">
               <a:rPr lang="en-US" dirty="0"/>
-              <a:t>11/12/2021</a:t>
+              <a:t>12/5/2021</a:t>
             </a:fld>
             <a:endParaRPr lang="en-US" dirty="0"/>
           </a:p>
@@ -2797,7 +2861,7 @@
           <a:p>
             <a:fld id="{32ABBEA6-7C60-4B02-AE87-00D78D8422AF}" type="datetimeFigureOut">
               <a:rPr lang="en-US" dirty="0"/>
-              <a:t>11/12/2021</a:t>
+              <a:t>12/5/2021</a:t>
             </a:fld>
             <a:endParaRPr lang="en-US" dirty="0"/>
           </a:p>
@@ -3180,7 +3244,7 @@
           <a:p>
             <a:fld id="{C9CAD897-D46E-4AD2-BD9B-49DD3E640873}" type="datetimeFigureOut">
               <a:rPr lang="en-US" dirty="0"/>
-              <a:t>11/12/2021</a:t>
+              <a:t>12/5/2021</a:t>
             </a:fld>
             <a:endParaRPr lang="en-US" dirty="0"/>
           </a:p>
@@ -3467,7 +3531,7 @@
           <a:p>
             <a:fld id="{98624D31-43A5-475A-80CF-332C9F6DCF35}" type="datetimeFigureOut">
               <a:rPr lang="en-US" dirty="0"/>
-              <a:t>11/12/2021</a:t>
+              <a:t>12/5/2021</a:t>
             </a:fld>
             <a:endParaRPr lang="en-US" dirty="0"/>
           </a:p>
@@ -4439,10 +4503,10 @@
       </p:sp>
       <p:pic>
         <p:nvPicPr>
-          <p:cNvPr id="4" name="Imagem 3">
+          <p:cNvPr id="7" name="Imagem 6">
             <a:extLst>
               <a:ext uri="{FF2B5EF4-FFF2-40B4-BE49-F238E27FC236}">
-                <a16:creationId xmlns:a16="http://schemas.microsoft.com/office/drawing/2014/main" id="{FA9CF239-58A9-4B18-839B-930817F429CE}"/>
+                <a16:creationId xmlns:a16="http://schemas.microsoft.com/office/drawing/2014/main" id="{9E6C9281-52CA-4278-8B70-82EC8531373F}"/>
               </a:ext>
             </a:extLst>
           </p:cNvPr>
@@ -4459,8 +4523,8 @@
         </p:blipFill>
         <p:spPr>
           <a:xfrm>
-            <a:off x="969630" y="4876800"/>
-            <a:ext cx="10252739" cy="1450757"/>
+            <a:off x="7405439" y="530443"/>
+            <a:ext cx="3553321" cy="4277322"/>
           </a:xfrm>
           <a:prstGeom prst="rect">
             <a:avLst/>
@@ -4469,10 +4533,10 @@
       </p:pic>
       <p:pic>
         <p:nvPicPr>
-          <p:cNvPr id="8" name="Imagem 7">
+          <p:cNvPr id="12" name="Imagem 11">
             <a:extLst>
               <a:ext uri="{FF2B5EF4-FFF2-40B4-BE49-F238E27FC236}">
-                <a16:creationId xmlns:a16="http://schemas.microsoft.com/office/drawing/2014/main" id="{50A66BB8-1001-4A11-9BCB-7444367162F9}"/>
+                <a16:creationId xmlns:a16="http://schemas.microsoft.com/office/drawing/2014/main" id="{CE5F9D6B-F386-4147-B5A4-5F5B92B1BFB2}"/>
               </a:ext>
             </a:extLst>
           </p:cNvPr>
@@ -4482,15 +4546,21 @@
           <p:nvPr/>
         </p:nvPicPr>
         <p:blipFill>
-          <a:blip r:embed="rId3"/>
+          <a:blip r:embed="rId3">
+            <a:extLst>
+              <a:ext uri="{28A0092B-C50C-407E-A947-70E740481C1C}">
+                <a14:useLocalDpi xmlns:a14="http://schemas.microsoft.com/office/drawing/2010/main" val="0"/>
+              </a:ext>
+            </a:extLst>
+          </a:blip>
           <a:stretch>
             <a:fillRect/>
           </a:stretch>
         </p:blipFill>
         <p:spPr>
           <a:xfrm>
-            <a:off x="7540635" y="591053"/>
-            <a:ext cx="3615045" cy="4145980"/>
+            <a:off x="627380" y="4686300"/>
+            <a:ext cx="10092202" cy="1641257"/>
           </a:xfrm>
           <a:prstGeom prst="rect">
             <a:avLst/>
